--- a/External/Documentation/CooktastropheFinalPres.pptx
+++ b/External/Documentation/CooktastropheFinalPres.pptx
@@ -11,7 +11,9 @@
     <p:sldId id="261" r:id="rId5"/>
     <p:sldId id="262" r:id="rId6"/>
     <p:sldId id="263" r:id="rId7"/>
-    <p:sldId id="264" r:id="rId8"/>
+    <p:sldId id="267" r:id="rId8"/>
+    <p:sldId id="266" r:id="rId9"/>
+    <p:sldId id="264" r:id="rId10"/>
   </p:sldIdLst>
   <p:sldSz cx="12192000" cy="6858000"/>
   <p:notesSz cx="6858000" cy="9144000"/>
@@ -110,15 +112,96 @@
       </a:defRPr>
     </a:lvl9pPr>
   </p:defaultTextStyle>
+  <p:extLst>
+    <p:ext uri="{EFAFB233-063F-42B5-8137-9DF3F51BA10A}">
+      <p15:sldGuideLst xmlns:p15="http://schemas.microsoft.com/office/powerpoint/2012/main"/>
+    </p:ext>
+  </p:extLst>
 </p:presentation>
 </file>
 
 <file path=ppt/revisionInfo.xml><?xml version="1.0" encoding="utf-8"?>
 <p1510:revInfo xmlns:a="http://schemas.openxmlformats.org/drawingml/2006/main" xmlns:r="http://schemas.openxmlformats.org/officeDocument/2006/relationships" xmlns:p1510="http://schemas.microsoft.com/office/powerpoint/2015/10/main">
   <p1510:revLst>
-    <p1510:client id="{3C6CBF9E-CE54-4DDE-988B-22906A79EFB4}" v="5" dt="2023-04-20T09:08:29.745"/>
+    <p1510:client id="{BCD3C9A4-65F5-49DF-8E54-C5D98D5E0B19}" v="3" dt="2023-04-23T21:01:39.458"/>
   </p1510:revLst>
 </p1510:revInfo>
+</file>
+
+<file path=ppt/changesInfos/changesInfo1.xml><?xml version="1.0" encoding="utf-8"?>
+<pc:chgInfo xmlns:a="http://schemas.openxmlformats.org/drawingml/2006/main" xmlns:r="http://schemas.openxmlformats.org/officeDocument/2006/relationships" xmlns:ac="http://schemas.microsoft.com/office/drawing/2013/main/command" xmlns:pc="http://schemas.microsoft.com/office/powerpoint/2013/main/command">
+  <pc:docChgLst>
+    <pc:chgData name="Aisha Ntuli" userId="9e3e1cbc-968a-4935-af00-6383e8da95d2" providerId="ADAL" clId="{BCD3C9A4-65F5-49DF-8E54-C5D98D5E0B19}"/>
+    <pc:docChg chg="custSel addSld modSld">
+      <pc:chgData name="Aisha Ntuli" userId="9e3e1cbc-968a-4935-af00-6383e8da95d2" providerId="ADAL" clId="{BCD3C9A4-65F5-49DF-8E54-C5D98D5E0B19}" dt="2023-04-23T21:02:15.093" v="140" actId="478"/>
+      <pc:docMkLst>
+        <pc:docMk/>
+      </pc:docMkLst>
+      <pc:sldChg chg="addSp delSp modSp add mod setBg">
+        <pc:chgData name="Aisha Ntuli" userId="9e3e1cbc-968a-4935-af00-6383e8da95d2" providerId="ADAL" clId="{BCD3C9A4-65F5-49DF-8E54-C5D98D5E0B19}" dt="2023-04-23T21:01:12.134" v="99" actId="20577"/>
+        <pc:sldMkLst>
+          <pc:docMk/>
+          <pc:sldMk cId="1295736513" sldId="266"/>
+        </pc:sldMkLst>
+        <pc:spChg chg="mod">
+          <ac:chgData name="Aisha Ntuli" userId="9e3e1cbc-968a-4935-af00-6383e8da95d2" providerId="ADAL" clId="{BCD3C9A4-65F5-49DF-8E54-C5D98D5E0B19}" dt="2023-04-23T21:00:22.336" v="25" actId="26606"/>
+          <ac:spMkLst>
+            <pc:docMk/>
+            <pc:sldMk cId="1295736513" sldId="266"/>
+            <ac:spMk id="2" creationId="{569EEE7D-7E84-194F-99BC-ACBC388C5616}"/>
+          </ac:spMkLst>
+        </pc:spChg>
+        <pc:spChg chg="del mod">
+          <ac:chgData name="Aisha Ntuli" userId="9e3e1cbc-968a-4935-af00-6383e8da95d2" providerId="ADAL" clId="{BCD3C9A4-65F5-49DF-8E54-C5D98D5E0B19}" dt="2023-04-23T20:57:43.867" v="21" actId="931"/>
+          <ac:spMkLst>
+            <pc:docMk/>
+            <pc:sldMk cId="1295736513" sldId="266"/>
+            <ac:spMk id="3" creationId="{F2CB2395-2F01-DB37-5DFF-5CDC424AA123}"/>
+          </ac:spMkLst>
+        </pc:spChg>
+        <pc:spChg chg="add mod">
+          <ac:chgData name="Aisha Ntuli" userId="9e3e1cbc-968a-4935-af00-6383e8da95d2" providerId="ADAL" clId="{BCD3C9A4-65F5-49DF-8E54-C5D98D5E0B19}" dt="2023-04-23T21:01:12.134" v="99" actId="20577"/>
+          <ac:spMkLst>
+            <pc:docMk/>
+            <pc:sldMk cId="1295736513" sldId="266"/>
+            <ac:spMk id="9" creationId="{F88C0198-A905-66D3-F47B-3BCF5F1D1268}"/>
+          </ac:spMkLst>
+        </pc:spChg>
+        <pc:picChg chg="add mod">
+          <ac:chgData name="Aisha Ntuli" userId="9e3e1cbc-968a-4935-af00-6383e8da95d2" providerId="ADAL" clId="{BCD3C9A4-65F5-49DF-8E54-C5D98D5E0B19}" dt="2023-04-23T21:00:22.336" v="25" actId="26606"/>
+          <ac:picMkLst>
+            <pc:docMk/>
+            <pc:sldMk cId="1295736513" sldId="266"/>
+            <ac:picMk id="5" creationId="{89569E91-ECF3-E5F9-B6FE-6DE19AAA1A60}"/>
+          </ac:picMkLst>
+        </pc:picChg>
+      </pc:sldChg>
+      <pc:sldChg chg="delSp modSp add mod">
+        <pc:chgData name="Aisha Ntuli" userId="9e3e1cbc-968a-4935-af00-6383e8da95d2" providerId="ADAL" clId="{BCD3C9A4-65F5-49DF-8E54-C5D98D5E0B19}" dt="2023-04-23T21:02:15.093" v="140" actId="478"/>
+        <pc:sldMkLst>
+          <pc:docMk/>
+          <pc:sldMk cId="922989764" sldId="267"/>
+        </pc:sldMkLst>
+        <pc:spChg chg="mod">
+          <ac:chgData name="Aisha Ntuli" userId="9e3e1cbc-968a-4935-af00-6383e8da95d2" providerId="ADAL" clId="{BCD3C9A4-65F5-49DF-8E54-C5D98D5E0B19}" dt="2023-04-23T21:01:52.946" v="137" actId="20577"/>
+          <ac:spMkLst>
+            <pc:docMk/>
+            <pc:sldMk cId="922989764" sldId="267"/>
+            <ac:spMk id="2" creationId="{B26290C1-D5BB-1778-DCD4-5CA5E415BC33}"/>
+          </ac:spMkLst>
+        </pc:spChg>
+        <pc:spChg chg="del mod">
+          <ac:chgData name="Aisha Ntuli" userId="9e3e1cbc-968a-4935-af00-6383e8da95d2" providerId="ADAL" clId="{BCD3C9A4-65F5-49DF-8E54-C5D98D5E0B19}" dt="2023-04-23T21:02:15.093" v="140" actId="478"/>
+          <ac:spMkLst>
+            <pc:docMk/>
+            <pc:sldMk cId="922989764" sldId="267"/>
+            <ac:spMk id="3" creationId="{F7DA96F6-42CC-1D32-B4E9-7817CBFE9486}"/>
+          </ac:spMkLst>
+        </pc:spChg>
+      </pc:sldChg>
+    </pc:docChg>
+  </pc:docChgLst>
+</pc:chgInfo>
 </file>
 
 <file path=ppt/slideLayouts/slideLayout1.xml><?xml version="1.0" encoding="utf-8"?>
@@ -216,7 +299,7 @@
           <a:effectLst/>
           <a:extLst>
             <a:ext uri="{91240B29-F687-4f45-9708-019B960494DF}">
-              <a14:hiddenLine xmlns="" xmlns:a14="http://schemas.microsoft.com/office/drawing/2010/main" w="9525">
+              <a14:hiddenLine xmlns:a14="http://schemas.microsoft.com/office/drawing/2010/main" xmlns="" w="9525">
                 <a:solidFill>
                   <a:srgbClr val="000000"/>
                 </a:solidFill>
@@ -410,7 +493,7 @@
             <a:fld id="{A37D6D71-8B28-4ED6-B932-04B197003D23}" type="datetimeFigureOut">
               <a:rPr lang="en-US" smtClean="0"/>
               <a:pPr algn="r"/>
-              <a:t>4/20/2023</a:t>
+              <a:t>4/23/2023</a:t>
             </a:fld>
             <a:endParaRPr lang="en-US"/>
           </a:p>
@@ -571,7 +654,7 @@
           <a:ln/>
           <a:extLst>
             <a:ext uri="{91240B29-F687-4f45-9708-019B960494DF}">
-              <a14:hiddenLine xmlns="" xmlns:a14="http://schemas.microsoft.com/office/drawing/2010/main" w="9525">
+              <a14:hiddenLine xmlns:a14="http://schemas.microsoft.com/office/drawing/2010/main" xmlns="" w="9525">
                 <a:solidFill>
                   <a:srgbClr val="000000"/>
                 </a:solidFill>
@@ -701,7 +784,7 @@
             <a:fld id="{A37D6D71-8B28-4ED6-B932-04B197003D23}" type="datetimeFigureOut">
               <a:rPr lang="en-US" smtClean="0"/>
               <a:pPr algn="r"/>
-              <a:t>4/20/2023</a:t>
+              <a:t>4/23/2023</a:t>
             </a:fld>
             <a:endParaRPr lang="en-US"/>
           </a:p>
@@ -969,7 +1052,7 @@
             <a:fld id="{A37D6D71-8B28-4ED6-B932-04B197003D23}" type="datetimeFigureOut">
               <a:rPr lang="en-US" smtClean="0"/>
               <a:pPr algn="r"/>
-              <a:t>4/20/2023</a:t>
+              <a:t>4/23/2023</a:t>
             </a:fld>
             <a:endParaRPr lang="en-US" spc="50"/>
           </a:p>
@@ -2051,7 +2134,7 @@
           <a:effectLst/>
           <a:extLst>
             <a:ext uri="{91240B29-F687-4f45-9708-019B960494DF}">
-              <a14:hiddenLine xmlns:a16="http://schemas.microsoft.com/office/drawing/2014/main" xmlns:p14="http://schemas.microsoft.com/office/powerpoint/2010/main" xmlns:a14="http://schemas.microsoft.com/office/drawing/2010/main" xmlns="" w="9525">
+              <a14:hiddenLine xmlns="" xmlns:a14="http://schemas.microsoft.com/office/drawing/2010/main" xmlns:p14="http://schemas.microsoft.com/office/powerpoint/2010/main" xmlns:a16="http://schemas.microsoft.com/office/drawing/2014/main" w="9525">
                 <a:solidFill>
                   <a:srgbClr val="000000"/>
                 </a:solidFill>
@@ -2506,7 +2589,7 @@
           <a:effectLst/>
           <a:extLst>
             <a:ext uri="{91240B29-F687-4f45-9708-019B960494DF}">
-              <a14:hiddenLine xmlns:a16="http://schemas.microsoft.com/office/drawing/2014/main" xmlns:p14="http://schemas.microsoft.com/office/powerpoint/2010/main" xmlns:a14="http://schemas.microsoft.com/office/drawing/2010/main" xmlns="" w="9525">
+              <a14:hiddenLine xmlns="" xmlns:a14="http://schemas.microsoft.com/office/drawing/2010/main" xmlns:p14="http://schemas.microsoft.com/office/powerpoint/2010/main" xmlns:a16="http://schemas.microsoft.com/office/drawing/2014/main" w="9525">
                 <a:solidFill>
                   <a:srgbClr val="000000"/>
                 </a:solidFill>
@@ -3199,6 +3282,224 @@
 </file>
 
 <file path=ppt/slides/slide7.xml><?xml version="1.0" encoding="utf-8"?>
+<p:sld xmlns:a="http://schemas.openxmlformats.org/drawingml/2006/main" xmlns:r="http://schemas.openxmlformats.org/officeDocument/2006/relationships" xmlns:p="http://schemas.openxmlformats.org/presentationml/2006/main">
+  <p:cSld>
+    <p:spTree>
+      <p:nvGrpSpPr>
+        <p:cNvPr id="1" name=""/>
+        <p:cNvGrpSpPr/>
+        <p:nvPr/>
+      </p:nvGrpSpPr>
+      <p:grpSpPr>
+        <a:xfrm>
+          <a:off x="0" y="0"/>
+          <a:ext cx="0" cy="0"/>
+          <a:chOff x="0" y="0"/>
+          <a:chExt cx="0" cy="0"/>
+        </a:xfrm>
+      </p:grpSpPr>
+      <p:sp>
+        <p:nvSpPr>
+          <p:cNvPr id="2" name="Title 1">
+            <a:extLst>
+              <a:ext uri="{FF2B5EF4-FFF2-40B4-BE49-F238E27FC236}">
+                <a16:creationId xmlns:a16="http://schemas.microsoft.com/office/drawing/2014/main" id="{B26290C1-D5BB-1778-DCD4-5CA5E415BC33}"/>
+              </a:ext>
+            </a:extLst>
+          </p:cNvPr>
+          <p:cNvSpPr>
+            <a:spLocks noGrp="1"/>
+          </p:cNvSpPr>
+          <p:nvPr>
+            <p:ph type="title"/>
+          </p:nvPr>
+        </p:nvSpPr>
+        <p:spPr/>
+        <p:txBody>
+          <a:bodyPr/>
+          <a:lstStyle/>
+          <a:p>
+            <a:r>
+              <a:rPr lang="en-US" dirty="0"/>
+              <a:t>Pre-Recorded Demo Video</a:t>
+            </a:r>
+            <a:endParaRPr lang="en-IE" dirty="0"/>
+          </a:p>
+        </p:txBody>
+      </p:sp>
+    </p:spTree>
+    <p:extLst>
+      <p:ext uri="{BB962C8B-B14F-4D97-AF65-F5344CB8AC3E}">
+        <p14:creationId xmlns:p14="http://schemas.microsoft.com/office/powerpoint/2010/main" val="922989764"/>
+      </p:ext>
+    </p:extLst>
+  </p:cSld>
+  <p:clrMapOvr>
+    <a:masterClrMapping/>
+  </p:clrMapOvr>
+</p:sld>
+</file>
+
+<file path=ppt/slides/slide8.xml><?xml version="1.0" encoding="utf-8"?>
+<p:sld xmlns:a="http://schemas.openxmlformats.org/drawingml/2006/main" xmlns:r="http://schemas.openxmlformats.org/officeDocument/2006/relationships" xmlns:p="http://schemas.openxmlformats.org/presentationml/2006/main">
+  <p:cSld>
+    <p:bg>
+      <p:bgPr>
+        <a:solidFill>
+          <a:schemeClr val="bg2"/>
+        </a:solidFill>
+        <a:effectLst/>
+      </p:bgPr>
+    </p:bg>
+    <p:spTree>
+      <p:nvGrpSpPr>
+        <p:cNvPr id="1" name=""/>
+        <p:cNvGrpSpPr/>
+        <p:nvPr/>
+      </p:nvGrpSpPr>
+      <p:grpSpPr>
+        <a:xfrm>
+          <a:off x="0" y="0"/>
+          <a:ext cx="0" cy="0"/>
+          <a:chOff x="0" y="0"/>
+          <a:chExt cx="0" cy="0"/>
+        </a:xfrm>
+      </p:grpSpPr>
+      <p:sp>
+        <p:nvSpPr>
+          <p:cNvPr id="2" name="Title 1">
+            <a:extLst>
+              <a:ext uri="{FF2B5EF4-FFF2-40B4-BE49-F238E27FC236}">
+                <a16:creationId xmlns:a16="http://schemas.microsoft.com/office/drawing/2014/main" id="{569EEE7D-7E84-194F-99BC-ACBC388C5616}"/>
+              </a:ext>
+            </a:extLst>
+          </p:cNvPr>
+          <p:cNvSpPr>
+            <a:spLocks noGrp="1"/>
+          </p:cNvSpPr>
+          <p:nvPr>
+            <p:ph type="title"/>
+          </p:nvPr>
+        </p:nvSpPr>
+        <p:spPr>
+          <a:xfrm>
+            <a:off x="810000" y="447188"/>
+            <a:ext cx="10571998" cy="970450"/>
+          </a:xfrm>
+        </p:spPr>
+        <p:txBody>
+          <a:bodyPr>
+            <a:normAutofit/>
+          </a:bodyPr>
+          <a:lstStyle/>
+          <a:p>
+            <a:r>
+              <a:rPr lang="en-US" dirty="0"/>
+              <a:t>Completed Testing</a:t>
+            </a:r>
+            <a:endParaRPr lang="en-IE" dirty="0"/>
+          </a:p>
+        </p:txBody>
+      </p:sp>
+      <p:sp>
+        <p:nvSpPr>
+          <p:cNvPr id="9" name="Content Placeholder 8">
+            <a:extLst>
+              <a:ext uri="{FF2B5EF4-FFF2-40B4-BE49-F238E27FC236}">
+                <a16:creationId xmlns:a16="http://schemas.microsoft.com/office/drawing/2014/main" id="{F88C0198-A905-66D3-F47B-3BCF5F1D1268}"/>
+              </a:ext>
+            </a:extLst>
+          </p:cNvPr>
+          <p:cNvSpPr>
+            <a:spLocks noGrp="1"/>
+          </p:cNvSpPr>
+          <p:nvPr>
+            <p:ph idx="1"/>
+          </p:nvPr>
+        </p:nvSpPr>
+        <p:spPr>
+          <a:xfrm>
+            <a:off x="818713" y="2413000"/>
+            <a:ext cx="3835583" cy="3632200"/>
+          </a:xfrm>
+        </p:spPr>
+        <p:txBody>
+          <a:bodyPr>
+            <a:normAutofit/>
+          </a:bodyPr>
+          <a:lstStyle/>
+          <a:p>
+            <a:r>
+              <a:rPr lang="en-US" sz="1600" dirty="0"/>
+              <a:t>Overview of completed successful tests</a:t>
+            </a:r>
+          </a:p>
+          <a:p>
+            <a:r>
+              <a:rPr lang="en-US" sz="1600" dirty="0"/>
+              <a:t>Live demonstration of unit tests</a:t>
+            </a:r>
+          </a:p>
+        </p:txBody>
+      </p:sp>
+      <p:pic>
+        <p:nvPicPr>
+          <p:cNvPr id="5" name="Content Placeholder 4" descr="Text&#10;&#10;Description automatically generated">
+            <a:extLst>
+              <a:ext uri="{FF2B5EF4-FFF2-40B4-BE49-F238E27FC236}">
+                <a16:creationId xmlns:a16="http://schemas.microsoft.com/office/drawing/2014/main" id="{89569E91-ECF3-E5F9-B6FE-6DE19AAA1A60}"/>
+              </a:ext>
+            </a:extLst>
+          </p:cNvPr>
+          <p:cNvPicPr>
+            <a:picLocks noChangeAspect="1"/>
+          </p:cNvPicPr>
+          <p:nvPr/>
+        </p:nvPicPr>
+        <p:blipFill>
+          <a:blip r:embed="rId2">
+            <a:extLst>
+              <a:ext uri="{28A0092B-C50C-407E-A947-70E740481C1C}">
+                <a14:useLocalDpi xmlns:a14="http://schemas.microsoft.com/office/drawing/2010/main" val="0"/>
+              </a:ext>
+            </a:extLst>
+          </a:blip>
+          <a:stretch>
+            <a:fillRect/>
+          </a:stretch>
+        </p:blipFill>
+        <p:spPr>
+          <a:xfrm>
+            <a:off x="5720974" y="2413000"/>
+            <a:ext cx="5039102" cy="3716338"/>
+          </a:xfrm>
+          <a:prstGeom prst="roundRect">
+            <a:avLst>
+              <a:gd name="adj" fmla="val 3876"/>
+            </a:avLst>
+          </a:prstGeom>
+          <a:ln>
+            <a:solidFill>
+              <a:schemeClr val="accent1"/>
+            </a:solidFill>
+          </a:ln>
+          <a:effectLst/>
+        </p:spPr>
+      </p:pic>
+    </p:spTree>
+    <p:extLst>
+      <p:ext uri="{BB962C8B-B14F-4D97-AF65-F5344CB8AC3E}">
+        <p14:creationId xmlns:p14="http://schemas.microsoft.com/office/powerpoint/2010/main" val="1295736513"/>
+      </p:ext>
+    </p:extLst>
+  </p:cSld>
+  <p:clrMapOvr>
+    <a:masterClrMapping/>
+  </p:clrMapOvr>
+</p:sld>
+</file>
+
+<file path=ppt/slides/slide9.xml><?xml version="1.0" encoding="utf-8"?>
 <p:sld xmlns:a="http://schemas.openxmlformats.org/drawingml/2006/main" xmlns:r="http://schemas.openxmlformats.org/officeDocument/2006/relationships" xmlns:p="http://schemas.openxmlformats.org/presentationml/2006/main">
   <p:cSld>
     <p:spTree>
